--- a/14appshed/02  Mobile APP Development.pptx
+++ b/14appshed/02  Mobile APP Development.pptx
@@ -117,7 +117,7 @@
   </p:defaultTextStyle>
   <p:extLst>
     <p:ext uri="{EFAFB233-063F-42B5-8137-9DF3F51BA10A}">
-      <p15:sldGuideLst xmlns="" xmlns:p15="http://schemas.microsoft.com/office/powerpoint/2012/main"/>
+      <p15:sldGuideLst xmlns:p15="http://schemas.microsoft.com/office/powerpoint/2012/main" xmlns=""/>
     </p:ext>
   </p:extLst>
 </p:presentation>
@@ -206,7 +206,7 @@
             <a:fld id="{FB4EF173-EE73-4BAD-8A5E-AB9217A9A545}" type="datetimeFigureOut">
               <a:rPr lang="en-GB" smtClean="0"/>
               <a:pPr/>
-              <a:t>02/06/2016</a:t>
+              <a:t>10/12/2016</a:t>
             </a:fld>
             <a:endParaRPr lang="en-GB"/>
           </a:p>
@@ -375,7 +375,7 @@
     </p:spTree>
     <p:extLst>
       <p:ext uri="{BB962C8B-B14F-4D97-AF65-F5344CB8AC3E}">
-        <p14:creationId xmlns="" xmlns:p14="http://schemas.microsoft.com/office/powerpoint/2010/main" val="1207339325"/>
+        <p14:creationId xmlns:p14="http://schemas.microsoft.com/office/powerpoint/2010/main" xmlns="" val="1207339325"/>
       </p:ext>
     </p:extLst>
   </p:cSld>
@@ -607,7 +607,7 @@
             <a:fld id="{EA9755EE-16FB-420F-8F56-F1FDA8C730B5}" type="datetimeFigureOut">
               <a:rPr lang="en-GB" smtClean="0"/>
               <a:pPr/>
-              <a:t>02/06/2016</a:t>
+              <a:t>10/12/2016</a:t>
             </a:fld>
             <a:endParaRPr lang="en-GB"/>
           </a:p>
@@ -659,7 +659,7 @@
     </p:spTree>
     <p:extLst>
       <p:ext uri="{BB962C8B-B14F-4D97-AF65-F5344CB8AC3E}">
-        <p14:creationId xmlns="" xmlns:p14="http://schemas.microsoft.com/office/powerpoint/2010/main" val="1471137086"/>
+        <p14:creationId xmlns:p14="http://schemas.microsoft.com/office/powerpoint/2010/main" xmlns="" val="1471137086"/>
       </p:ext>
     </p:extLst>
   </p:cSld>
@@ -779,7 +779,7 @@
             <a:fld id="{EA9755EE-16FB-420F-8F56-F1FDA8C730B5}" type="datetimeFigureOut">
               <a:rPr lang="en-GB" smtClean="0"/>
               <a:pPr/>
-              <a:t>02/06/2016</a:t>
+              <a:t>10/12/2016</a:t>
             </a:fld>
             <a:endParaRPr lang="en-GB"/>
           </a:p>
@@ -831,7 +831,7 @@
     </p:spTree>
     <p:extLst>
       <p:ext uri="{BB962C8B-B14F-4D97-AF65-F5344CB8AC3E}">
-        <p14:creationId xmlns="" xmlns:p14="http://schemas.microsoft.com/office/powerpoint/2010/main" val="1905983469"/>
+        <p14:creationId xmlns:p14="http://schemas.microsoft.com/office/powerpoint/2010/main" xmlns="" val="1905983469"/>
       </p:ext>
     </p:extLst>
   </p:cSld>
@@ -961,7 +961,7 @@
             <a:fld id="{EA9755EE-16FB-420F-8F56-F1FDA8C730B5}" type="datetimeFigureOut">
               <a:rPr lang="en-GB" smtClean="0"/>
               <a:pPr/>
-              <a:t>02/06/2016</a:t>
+              <a:t>10/12/2016</a:t>
             </a:fld>
             <a:endParaRPr lang="en-GB"/>
           </a:p>
@@ -1013,7 +1013,7 @@
     </p:spTree>
     <p:extLst>
       <p:ext uri="{BB962C8B-B14F-4D97-AF65-F5344CB8AC3E}">
-        <p14:creationId xmlns="" xmlns:p14="http://schemas.microsoft.com/office/powerpoint/2010/main" val="2065299772"/>
+        <p14:creationId xmlns:p14="http://schemas.microsoft.com/office/powerpoint/2010/main" xmlns="" val="2065299772"/>
       </p:ext>
     </p:extLst>
   </p:cSld>
@@ -1133,7 +1133,7 @@
             <a:fld id="{EA9755EE-16FB-420F-8F56-F1FDA8C730B5}" type="datetimeFigureOut">
               <a:rPr lang="en-GB" smtClean="0"/>
               <a:pPr/>
-              <a:t>02/06/2016</a:t>
+              <a:t>10/12/2016</a:t>
             </a:fld>
             <a:endParaRPr lang="en-GB"/>
           </a:p>
@@ -1185,7 +1185,7 @@
     </p:spTree>
     <p:extLst>
       <p:ext uri="{BB962C8B-B14F-4D97-AF65-F5344CB8AC3E}">
-        <p14:creationId xmlns="" xmlns:p14="http://schemas.microsoft.com/office/powerpoint/2010/main" val="2034421332"/>
+        <p14:creationId xmlns:p14="http://schemas.microsoft.com/office/powerpoint/2010/main" xmlns="" val="2034421332"/>
       </p:ext>
     </p:extLst>
   </p:cSld>
@@ -1381,7 +1381,7 @@
             <a:fld id="{EA9755EE-16FB-420F-8F56-F1FDA8C730B5}" type="datetimeFigureOut">
               <a:rPr lang="en-GB" smtClean="0"/>
               <a:pPr/>
-              <a:t>02/06/2016</a:t>
+              <a:t>10/12/2016</a:t>
             </a:fld>
             <a:endParaRPr lang="en-GB"/>
           </a:p>
@@ -1433,7 +1433,7 @@
     </p:spTree>
     <p:extLst>
       <p:ext uri="{BB962C8B-B14F-4D97-AF65-F5344CB8AC3E}">
-        <p14:creationId xmlns="" xmlns:p14="http://schemas.microsoft.com/office/powerpoint/2010/main" val="1110019855"/>
+        <p14:creationId xmlns:p14="http://schemas.microsoft.com/office/powerpoint/2010/main" xmlns="" val="1110019855"/>
       </p:ext>
     </p:extLst>
   </p:cSld>
@@ -1615,7 +1615,7 @@
             <a:fld id="{EA9755EE-16FB-420F-8F56-F1FDA8C730B5}" type="datetimeFigureOut">
               <a:rPr lang="en-GB" smtClean="0"/>
               <a:pPr/>
-              <a:t>02/06/2016</a:t>
+              <a:t>10/12/2016</a:t>
             </a:fld>
             <a:endParaRPr lang="en-GB"/>
           </a:p>
@@ -1667,7 +1667,7 @@
     </p:spTree>
     <p:extLst>
       <p:ext uri="{BB962C8B-B14F-4D97-AF65-F5344CB8AC3E}">
-        <p14:creationId xmlns="" xmlns:p14="http://schemas.microsoft.com/office/powerpoint/2010/main" val="279895687"/>
+        <p14:creationId xmlns:p14="http://schemas.microsoft.com/office/powerpoint/2010/main" xmlns="" val="279895687"/>
       </p:ext>
     </p:extLst>
   </p:cSld>
@@ -1984,7 +1984,7 @@
             <a:fld id="{EA9755EE-16FB-420F-8F56-F1FDA8C730B5}" type="datetimeFigureOut">
               <a:rPr lang="en-GB" smtClean="0"/>
               <a:pPr/>
-              <a:t>02/06/2016</a:t>
+              <a:t>10/12/2016</a:t>
             </a:fld>
             <a:endParaRPr lang="en-GB"/>
           </a:p>
@@ -2036,7 +2036,7 @@
     </p:spTree>
     <p:extLst>
       <p:ext uri="{BB962C8B-B14F-4D97-AF65-F5344CB8AC3E}">
-        <p14:creationId xmlns="" xmlns:p14="http://schemas.microsoft.com/office/powerpoint/2010/main" val="3266156182"/>
+        <p14:creationId xmlns:p14="http://schemas.microsoft.com/office/powerpoint/2010/main" xmlns="" val="3266156182"/>
       </p:ext>
     </p:extLst>
   </p:cSld>
@@ -2104,7 +2104,7 @@
             <a:fld id="{EA9755EE-16FB-420F-8F56-F1FDA8C730B5}" type="datetimeFigureOut">
               <a:rPr lang="en-GB" smtClean="0"/>
               <a:pPr/>
-              <a:t>02/06/2016</a:t>
+              <a:t>10/12/2016</a:t>
             </a:fld>
             <a:endParaRPr lang="en-GB"/>
           </a:p>
@@ -2156,7 +2156,7 @@
     </p:spTree>
     <p:extLst>
       <p:ext uri="{BB962C8B-B14F-4D97-AF65-F5344CB8AC3E}">
-        <p14:creationId xmlns="" xmlns:p14="http://schemas.microsoft.com/office/powerpoint/2010/main" val="269646364"/>
+        <p14:creationId xmlns:p14="http://schemas.microsoft.com/office/powerpoint/2010/main" xmlns="" val="269646364"/>
       </p:ext>
     </p:extLst>
   </p:cSld>
@@ -2201,7 +2201,7 @@
             <a:fld id="{EA9755EE-16FB-420F-8F56-F1FDA8C730B5}" type="datetimeFigureOut">
               <a:rPr lang="en-GB" smtClean="0"/>
               <a:pPr/>
-              <a:t>02/06/2016</a:t>
+              <a:t>10/12/2016</a:t>
             </a:fld>
             <a:endParaRPr lang="en-GB"/>
           </a:p>
@@ -2253,7 +2253,7 @@
     </p:spTree>
     <p:extLst>
       <p:ext uri="{BB962C8B-B14F-4D97-AF65-F5344CB8AC3E}">
-        <p14:creationId xmlns="" xmlns:p14="http://schemas.microsoft.com/office/powerpoint/2010/main" val="1653270506"/>
+        <p14:creationId xmlns:p14="http://schemas.microsoft.com/office/powerpoint/2010/main" xmlns="" val="1653270506"/>
       </p:ext>
     </p:extLst>
   </p:cSld>
@@ -2480,7 +2480,7 @@
             <a:fld id="{EA9755EE-16FB-420F-8F56-F1FDA8C730B5}" type="datetimeFigureOut">
               <a:rPr lang="en-GB" smtClean="0"/>
               <a:pPr/>
-              <a:t>02/06/2016</a:t>
+              <a:t>10/12/2016</a:t>
             </a:fld>
             <a:endParaRPr lang="en-GB"/>
           </a:p>
@@ -2532,7 +2532,7 @@
     </p:spTree>
     <p:extLst>
       <p:ext uri="{BB962C8B-B14F-4D97-AF65-F5344CB8AC3E}">
-        <p14:creationId xmlns="" xmlns:p14="http://schemas.microsoft.com/office/powerpoint/2010/main" val="2788355770"/>
+        <p14:creationId xmlns:p14="http://schemas.microsoft.com/office/powerpoint/2010/main" xmlns="" val="2788355770"/>
       </p:ext>
     </p:extLst>
   </p:cSld>
@@ -2735,7 +2735,7 @@
             <a:fld id="{EA9755EE-16FB-420F-8F56-F1FDA8C730B5}" type="datetimeFigureOut">
               <a:rPr lang="en-GB" smtClean="0"/>
               <a:pPr/>
-              <a:t>02/06/2016</a:t>
+              <a:t>10/12/2016</a:t>
             </a:fld>
             <a:endParaRPr lang="en-GB"/>
           </a:p>
@@ -2787,7 +2787,7 @@
     </p:spTree>
     <p:extLst>
       <p:ext uri="{BB962C8B-B14F-4D97-AF65-F5344CB8AC3E}">
-        <p14:creationId xmlns="" xmlns:p14="http://schemas.microsoft.com/office/powerpoint/2010/main" val="1966819057"/>
+        <p14:creationId xmlns:p14="http://schemas.microsoft.com/office/powerpoint/2010/main" xmlns="" val="1966819057"/>
       </p:ext>
     </p:extLst>
   </p:cSld>
@@ -2955,7 +2955,7 @@
             <a:fld id="{EA9755EE-16FB-420F-8F56-F1FDA8C730B5}" type="datetimeFigureOut">
               <a:rPr lang="en-GB" smtClean="0"/>
               <a:pPr/>
-              <a:t>02/06/2016</a:t>
+              <a:t>10/12/2016</a:t>
             </a:fld>
             <a:endParaRPr lang="en-GB" dirty="0"/>
           </a:p>
@@ -3047,7 +3047,7 @@
     </p:spTree>
     <p:extLst>
       <p:ext uri="{BB962C8B-B14F-4D97-AF65-F5344CB8AC3E}">
-        <p14:creationId xmlns="" xmlns:p14="http://schemas.microsoft.com/office/powerpoint/2010/main" val="1023516090"/>
+        <p14:creationId xmlns:p14="http://schemas.microsoft.com/office/powerpoint/2010/main" xmlns="" val="1023516090"/>
       </p:ext>
     </p:extLst>
   </p:cSld>
@@ -3420,7 +3420,7 @@
     </p:spTree>
     <p:extLst>
       <p:ext uri="{BB962C8B-B14F-4D97-AF65-F5344CB8AC3E}">
-        <p14:creationId xmlns="" xmlns:p14="http://schemas.microsoft.com/office/powerpoint/2010/main" val="3079931996"/>
+        <p14:creationId xmlns:p14="http://schemas.microsoft.com/office/powerpoint/2010/main" xmlns="" val="3079931996"/>
       </p:ext>
     </p:extLst>
   </p:cSld>
@@ -3515,7 +3515,7 @@
           <a:noFill/>
           <a:extLst>
             <a:ext uri="{909E8E84-426E-40DD-AFC4-6F175D3DCCD1}">
-              <a14:hiddenFill xmlns="" xmlns:a14="http://schemas.microsoft.com/office/drawing/2010/main">
+              <a14:hiddenFill xmlns:a14="http://schemas.microsoft.com/office/drawing/2010/main" xmlns="">
                 <a:solidFill>
                   <a:srgbClr val="FFFFFF"/>
                 </a:solidFill>
@@ -3554,7 +3554,7 @@
           <a:noFill/>
           <a:extLst>
             <a:ext uri="{909E8E84-426E-40DD-AFC4-6F175D3DCCD1}">
-              <a14:hiddenFill xmlns="" xmlns:a14="http://schemas.microsoft.com/office/drawing/2010/main">
+              <a14:hiddenFill xmlns:a14="http://schemas.microsoft.com/office/drawing/2010/main" xmlns="">
                 <a:solidFill>
                   <a:srgbClr val="FFFFFF"/>
                 </a:solidFill>
@@ -3583,14 +3583,14 @@
           <p:nvPr/>
         </p:nvPicPr>
         <p:blipFill rotWithShape="1">
-          <a:blip r:embed="rId2" cstate="print">
+          <a:blip r:embed="rId2" cstate="email">
             <a:extLst>
               <a:ext uri="{28A0092B-C50C-407E-A947-70E740481C1C}">
-                <a14:useLocalDpi xmlns="" xmlns:a14="http://schemas.microsoft.com/office/drawing/2010/main" val="0"/>
+                <a14:useLocalDpi xmlns:a14="http://schemas.microsoft.com/office/drawing/2010/main" xmlns="" val="0"/>
               </a:ext>
             </a:extLst>
           </a:blip>
-          <a:srcRect r="42889" b="45858"/>
+          <a:srcRect/>
           <a:stretch/>
         </p:blipFill>
         <p:spPr bwMode="auto">
@@ -3607,14 +3607,14 @@
           </a:ln>
           <a:extLst>
             <a:ext uri="{909E8E84-426E-40DD-AFC4-6F175D3DCCD1}">
-              <a14:hiddenFill xmlns="" xmlns:a14="http://schemas.microsoft.com/office/drawing/2010/main">
+              <a14:hiddenFill xmlns:a14="http://schemas.microsoft.com/office/drawing/2010/main" xmlns="">
                 <a:solidFill>
                   <a:schemeClr val="accent1"/>
                 </a:solidFill>
               </a14:hiddenFill>
             </a:ext>
             <a:ext uri="{91240B29-F687-4F45-9708-019B960494DF}">
-              <a14:hiddenLine xmlns="" xmlns:a14="http://schemas.microsoft.com/office/drawing/2010/main" w="9525">
+              <a14:hiddenLine xmlns:a14="http://schemas.microsoft.com/office/drawing/2010/main" xmlns="" w="9525">
                 <a:solidFill>
                   <a:schemeClr val="tx1"/>
                 </a:solidFill>
@@ -3645,7 +3645,7 @@
           <a:noFill/>
           <a:extLst>
             <a:ext uri="{909E8E84-426E-40DD-AFC4-6F175D3DCCD1}">
-              <a14:hiddenFill xmlns="" xmlns:a14="http://schemas.microsoft.com/office/drawing/2010/main">
+              <a14:hiddenFill xmlns:a14="http://schemas.microsoft.com/office/drawing/2010/main" xmlns="">
                 <a:solidFill>
                   <a:srgbClr val="FFFFFF"/>
                 </a:solidFill>
@@ -3674,14 +3674,14 @@
           <p:nvPr/>
         </p:nvPicPr>
         <p:blipFill rotWithShape="1">
-          <a:blip r:embed="rId3" cstate="print">
+          <a:blip r:embed="rId3" cstate="email">
             <a:extLst>
               <a:ext uri="{28A0092B-C50C-407E-A947-70E740481C1C}">
-                <a14:useLocalDpi xmlns="" xmlns:a14="http://schemas.microsoft.com/office/drawing/2010/main" val="0"/>
+                <a14:useLocalDpi xmlns:a14="http://schemas.microsoft.com/office/drawing/2010/main" xmlns="" val="0"/>
               </a:ext>
             </a:extLst>
           </a:blip>
-          <a:srcRect l="50000" t="46969"/>
+          <a:srcRect/>
           <a:stretch/>
         </p:blipFill>
         <p:spPr bwMode="auto">
@@ -3698,14 +3698,14 @@
           </a:ln>
           <a:extLst>
             <a:ext uri="{909E8E84-426E-40DD-AFC4-6F175D3DCCD1}">
-              <a14:hiddenFill xmlns="" xmlns:a14="http://schemas.microsoft.com/office/drawing/2010/main">
+              <a14:hiddenFill xmlns:a14="http://schemas.microsoft.com/office/drawing/2010/main" xmlns="">
                 <a:solidFill>
                   <a:schemeClr val="accent1"/>
                 </a:solidFill>
               </a14:hiddenFill>
             </a:ext>
             <a:ext uri="{91240B29-F687-4F45-9708-019B960494DF}">
-              <a14:hiddenLine xmlns="" xmlns:a14="http://schemas.microsoft.com/office/drawing/2010/main" w="9525">
+              <a14:hiddenLine xmlns:a14="http://schemas.microsoft.com/office/drawing/2010/main" xmlns="" w="9525">
                 <a:solidFill>
                   <a:schemeClr val="tx1"/>
                 </a:solidFill>
@@ -3736,7 +3736,7 @@
           <a:noFill/>
           <a:extLst>
             <a:ext uri="{909E8E84-426E-40DD-AFC4-6F175D3DCCD1}">
-              <a14:hiddenFill xmlns="" xmlns:a14="http://schemas.microsoft.com/office/drawing/2010/main">
+              <a14:hiddenFill xmlns:a14="http://schemas.microsoft.com/office/drawing/2010/main" xmlns="">
                 <a:solidFill>
                   <a:srgbClr val="FFFFFF"/>
                 </a:solidFill>
@@ -3765,14 +3765,14 @@
           <p:nvPr/>
         </p:nvPicPr>
         <p:blipFill rotWithShape="1">
-          <a:blip r:embed="rId4" cstate="print">
+          <a:blip r:embed="rId4" cstate="email">
             <a:extLst>
               <a:ext uri="{28A0092B-C50C-407E-A947-70E740481C1C}">
-                <a14:useLocalDpi xmlns="" xmlns:a14="http://schemas.microsoft.com/office/drawing/2010/main" val="0"/>
+                <a14:useLocalDpi xmlns:a14="http://schemas.microsoft.com/office/drawing/2010/main" xmlns="" val="0"/>
               </a:ext>
             </a:extLst>
           </a:blip>
-          <a:srcRect t="37886" r="55659" b="15265"/>
+          <a:srcRect/>
           <a:stretch/>
         </p:blipFill>
         <p:spPr bwMode="auto">
@@ -3789,14 +3789,14 @@
           </a:ln>
           <a:extLst>
             <a:ext uri="{909E8E84-426E-40DD-AFC4-6F175D3DCCD1}">
-              <a14:hiddenFill xmlns="" xmlns:a14="http://schemas.microsoft.com/office/drawing/2010/main">
+              <a14:hiddenFill xmlns:a14="http://schemas.microsoft.com/office/drawing/2010/main" xmlns="">
                 <a:solidFill>
                   <a:schemeClr val="accent1"/>
                 </a:solidFill>
               </a14:hiddenFill>
             </a:ext>
             <a:ext uri="{91240B29-F687-4F45-9708-019B960494DF}">
-              <a14:hiddenLine xmlns="" xmlns:a14="http://schemas.microsoft.com/office/drawing/2010/main" w="9525">
+              <a14:hiddenLine xmlns:a14="http://schemas.microsoft.com/office/drawing/2010/main" xmlns="" w="9525">
                 <a:solidFill>
                   <a:schemeClr val="tx1"/>
                 </a:solidFill>
@@ -3817,14 +3817,14 @@
           <p:nvPr/>
         </p:nvPicPr>
         <p:blipFill rotWithShape="1">
-          <a:blip r:embed="rId5" cstate="print">
+          <a:blip r:embed="rId5" cstate="email">
             <a:extLst>
               <a:ext uri="{28A0092B-C50C-407E-A947-70E740481C1C}">
-                <a14:useLocalDpi xmlns="" xmlns:a14="http://schemas.microsoft.com/office/drawing/2010/main" val="0"/>
+                <a14:useLocalDpi xmlns:a14="http://schemas.microsoft.com/office/drawing/2010/main" xmlns="" val="0"/>
               </a:ext>
             </a:extLst>
           </a:blip>
-          <a:srcRect l="63964" b="60251"/>
+          <a:srcRect/>
           <a:stretch/>
         </p:blipFill>
         <p:spPr bwMode="auto">
@@ -3838,7 +3838,7 @@
           <a:noFill/>
           <a:extLst>
             <a:ext uri="{909E8E84-426E-40DD-AFC4-6F175D3DCCD1}">
-              <a14:hiddenFill xmlns="" xmlns:a14="http://schemas.microsoft.com/office/drawing/2010/main">
+              <a14:hiddenFill xmlns:a14="http://schemas.microsoft.com/office/drawing/2010/main" xmlns="">
                 <a:solidFill>
                   <a:srgbClr val="FFFFFF"/>
                 </a:solidFill>
@@ -3850,7 +3850,7 @@
     </p:spTree>
     <p:extLst>
       <p:ext uri="{BB962C8B-B14F-4D97-AF65-F5344CB8AC3E}">
-        <p14:creationId xmlns="" xmlns:p14="http://schemas.microsoft.com/office/powerpoint/2010/main" val="2938426062"/>
+        <p14:creationId xmlns:p14="http://schemas.microsoft.com/office/powerpoint/2010/main" xmlns="" val="2938426062"/>
       </p:ext>
     </p:extLst>
   </p:cSld>
@@ -3968,7 +3968,7 @@
     </p:spTree>
     <p:extLst>
       <p:ext uri="{BB962C8B-B14F-4D97-AF65-F5344CB8AC3E}">
-        <p14:creationId xmlns="" xmlns:p14="http://schemas.microsoft.com/office/powerpoint/2010/main" val="1332831960"/>
+        <p14:creationId xmlns:p14="http://schemas.microsoft.com/office/powerpoint/2010/main" xmlns="" val="1332831960"/>
       </p:ext>
     </p:extLst>
   </p:cSld>
@@ -4062,7 +4062,7 @@
     </p:spTree>
     <p:extLst>
       <p:ext uri="{BB962C8B-B14F-4D97-AF65-F5344CB8AC3E}">
-        <p14:creationId xmlns="" xmlns:p14="http://schemas.microsoft.com/office/powerpoint/2010/main" val="3610452162"/>
+        <p14:creationId xmlns:p14="http://schemas.microsoft.com/office/powerpoint/2010/main" xmlns="" val="3610452162"/>
       </p:ext>
     </p:extLst>
   </p:cSld>
@@ -4155,15 +4155,7 @@
             </a:r>
             <a:r>
               <a:rPr lang="en-GB" dirty="0" smtClean="0"/>
-              <a:t> file</a:t>
-            </a:r>
-            <a:r>
-              <a:rPr lang="en-GB" dirty="0" smtClean="0"/>
-              <a:t> </a:t>
-            </a:r>
-            <a:r>
-              <a:rPr lang="en-GB" dirty="0" smtClean="0"/>
-              <a:t>to start with so that we can design a basic school APP.</a:t>
+              <a:t> file to start with so that we can design a basic school APP.</a:t>
             </a:r>
           </a:p>
           <a:p>
@@ -4203,7 +4195,7 @@
           <a:noFill/>
           <a:extLst>
             <a:ext uri="{909E8E84-426E-40DD-AFC4-6F175D3DCCD1}">
-              <a14:hiddenFill xmlns="" xmlns:a14="http://schemas.microsoft.com/office/drawing/2010/main">
+              <a14:hiddenFill xmlns:a14="http://schemas.microsoft.com/office/drawing/2010/main" xmlns="">
                 <a:solidFill>
                   <a:srgbClr val="FFFFFF"/>
                 </a:solidFill>
@@ -4242,7 +4234,7 @@
           <a:noFill/>
           <a:extLst>
             <a:ext uri="{909E8E84-426E-40DD-AFC4-6F175D3DCCD1}">
-              <a14:hiddenFill xmlns="" xmlns:a14="http://schemas.microsoft.com/office/drawing/2010/main">
+              <a14:hiddenFill xmlns:a14="http://schemas.microsoft.com/office/drawing/2010/main" xmlns="">
                 <a:solidFill>
                   <a:srgbClr val="FFFFFF"/>
                 </a:solidFill>
@@ -4311,7 +4303,7 @@
     </p:spTree>
     <p:extLst>
       <p:ext uri="{BB962C8B-B14F-4D97-AF65-F5344CB8AC3E}">
-        <p14:creationId xmlns="" xmlns:p14="http://schemas.microsoft.com/office/powerpoint/2010/main" val="592471195"/>
+        <p14:creationId xmlns:p14="http://schemas.microsoft.com/office/powerpoint/2010/main" xmlns="" val="592471195"/>
       </p:ext>
     </p:extLst>
   </p:cSld>
@@ -4392,7 +4384,6 @@
               <a:rPr lang="en-GB" dirty="0" smtClean="0"/>
               <a:t> file</a:t>
             </a:r>
-            <a:endParaRPr lang="en-GB" dirty="0" smtClean="0"/>
           </a:p>
           <a:p>
             <a:pPr marL="514350" indent="-514350">
@@ -4490,7 +4481,7 @@
     </p:spTree>
     <p:extLst>
       <p:ext uri="{BB962C8B-B14F-4D97-AF65-F5344CB8AC3E}">
-        <p14:creationId xmlns="" xmlns:p14="http://schemas.microsoft.com/office/powerpoint/2010/main" val="4059596843"/>
+        <p14:creationId xmlns:p14="http://schemas.microsoft.com/office/powerpoint/2010/main" xmlns="" val="4059596843"/>
       </p:ext>
     </p:extLst>
   </p:cSld>
@@ -4611,10 +4602,10 @@
           <p:nvPr/>
         </p:nvPicPr>
         <p:blipFill>
-          <a:blip r:embed="rId2" cstate="print">
+          <a:blip r:embed="rId2" cstate="email">
             <a:extLst>
               <a:ext uri="{28A0092B-C50C-407E-A947-70E740481C1C}">
-                <a14:useLocalDpi xmlns="" xmlns:a14="http://schemas.microsoft.com/office/drawing/2010/main" val="0"/>
+                <a14:useLocalDpi xmlns:a14="http://schemas.microsoft.com/office/drawing/2010/main" xmlns="" val="0"/>
               </a:ext>
             </a:extLst>
           </a:blip>
@@ -4637,14 +4628,14 @@
           </a:ln>
           <a:extLst>
             <a:ext uri="{909E8E84-426E-40DD-AFC4-6F175D3DCCD1}">
-              <a14:hiddenFill xmlns="" xmlns:a14="http://schemas.microsoft.com/office/drawing/2010/main">
+              <a14:hiddenFill xmlns:a14="http://schemas.microsoft.com/office/drawing/2010/main" xmlns="">
                 <a:solidFill>
                   <a:schemeClr val="accent1"/>
                 </a:solidFill>
               </a14:hiddenFill>
             </a:ext>
             <a:ext uri="{91240B29-F687-4F45-9708-019B960494DF}">
-              <a14:hiddenLine xmlns="" xmlns:a14="http://schemas.microsoft.com/office/drawing/2010/main" w="9525">
+              <a14:hiddenLine xmlns:a14="http://schemas.microsoft.com/office/drawing/2010/main" xmlns="" w="9525">
                 <a:solidFill>
                   <a:schemeClr val="tx1"/>
                 </a:solidFill>
@@ -4665,10 +4656,10 @@
           <p:nvPr/>
         </p:nvPicPr>
         <p:blipFill>
-          <a:blip r:embed="rId2" cstate="print">
+          <a:blip r:embed="rId2" cstate="email">
             <a:extLst>
               <a:ext uri="{28A0092B-C50C-407E-A947-70E740481C1C}">
-                <a14:useLocalDpi xmlns="" xmlns:a14="http://schemas.microsoft.com/office/drawing/2010/main" val="0"/>
+                <a14:useLocalDpi xmlns:a14="http://schemas.microsoft.com/office/drawing/2010/main" xmlns="" val="0"/>
               </a:ext>
             </a:extLst>
           </a:blip>
@@ -4691,14 +4682,14 @@
           </a:ln>
           <a:extLst>
             <a:ext uri="{909E8E84-426E-40DD-AFC4-6F175D3DCCD1}">
-              <a14:hiddenFill xmlns="" xmlns:a14="http://schemas.microsoft.com/office/drawing/2010/main">
+              <a14:hiddenFill xmlns:a14="http://schemas.microsoft.com/office/drawing/2010/main" xmlns="">
                 <a:solidFill>
                   <a:schemeClr val="accent1"/>
                 </a:solidFill>
               </a14:hiddenFill>
             </a:ext>
             <a:ext uri="{91240B29-F687-4F45-9708-019B960494DF}">
-              <a14:hiddenLine xmlns="" xmlns:a14="http://schemas.microsoft.com/office/drawing/2010/main" w="9525">
+              <a14:hiddenLine xmlns:a14="http://schemas.microsoft.com/office/drawing/2010/main" xmlns="" w="9525">
                 <a:solidFill>
                   <a:schemeClr val="tx1"/>
                 </a:solidFill>
@@ -4719,10 +4710,10 @@
           <p:nvPr/>
         </p:nvPicPr>
         <p:blipFill>
-          <a:blip r:embed="rId2" cstate="print">
+          <a:blip r:embed="rId2" cstate="email">
             <a:extLst>
               <a:ext uri="{28A0092B-C50C-407E-A947-70E740481C1C}">
-                <a14:useLocalDpi xmlns="" xmlns:a14="http://schemas.microsoft.com/office/drawing/2010/main" val="0"/>
+                <a14:useLocalDpi xmlns:a14="http://schemas.microsoft.com/office/drawing/2010/main" xmlns="" val="0"/>
               </a:ext>
             </a:extLst>
           </a:blip>
@@ -4745,14 +4736,14 @@
           </a:ln>
           <a:extLst>
             <a:ext uri="{909E8E84-426E-40DD-AFC4-6F175D3DCCD1}">
-              <a14:hiddenFill xmlns="" xmlns:a14="http://schemas.microsoft.com/office/drawing/2010/main">
+              <a14:hiddenFill xmlns:a14="http://schemas.microsoft.com/office/drawing/2010/main" xmlns="">
                 <a:solidFill>
                   <a:schemeClr val="accent1"/>
                 </a:solidFill>
               </a14:hiddenFill>
             </a:ext>
             <a:ext uri="{91240B29-F687-4F45-9708-019B960494DF}">
-              <a14:hiddenLine xmlns="" xmlns:a14="http://schemas.microsoft.com/office/drawing/2010/main" w="9525">
+              <a14:hiddenLine xmlns:a14="http://schemas.microsoft.com/office/drawing/2010/main" xmlns="" w="9525">
                 <a:solidFill>
                   <a:schemeClr val="tx1"/>
                 </a:solidFill>
@@ -4767,7 +4758,7 @@
     </p:spTree>
     <p:extLst>
       <p:ext uri="{BB962C8B-B14F-4D97-AF65-F5344CB8AC3E}">
-        <p14:creationId xmlns="" xmlns:p14="http://schemas.microsoft.com/office/powerpoint/2010/main" val="2993129559"/>
+        <p14:creationId xmlns:p14="http://schemas.microsoft.com/office/powerpoint/2010/main" xmlns="" val="2993129559"/>
       </p:ext>
     </p:extLst>
   </p:cSld>
@@ -4936,14 +4927,14 @@
           <p:nvPr/>
         </p:nvPicPr>
         <p:blipFill rotWithShape="1">
-          <a:blip r:embed="rId2" cstate="print">
+          <a:blip r:embed="rId2" cstate="email">
             <a:extLst>
               <a:ext uri="{28A0092B-C50C-407E-A947-70E740481C1C}">
-                <a14:useLocalDpi xmlns="" xmlns:a14="http://schemas.microsoft.com/office/drawing/2010/main" val="0"/>
+                <a14:useLocalDpi xmlns:a14="http://schemas.microsoft.com/office/drawing/2010/main" xmlns="" val="0"/>
               </a:ext>
             </a:extLst>
           </a:blip>
-          <a:srcRect l="38405" t="21831" r="18933" b="61003"/>
+          <a:srcRect/>
           <a:stretch/>
         </p:blipFill>
         <p:spPr bwMode="auto">
@@ -4960,14 +4951,14 @@
           </a:ln>
           <a:extLst>
             <a:ext uri="{909E8E84-426E-40DD-AFC4-6F175D3DCCD1}">
-              <a14:hiddenFill xmlns="" xmlns:a14="http://schemas.microsoft.com/office/drawing/2010/main">
+              <a14:hiddenFill xmlns:a14="http://schemas.microsoft.com/office/drawing/2010/main" xmlns="">
                 <a:solidFill>
                   <a:schemeClr val="accent1"/>
                 </a:solidFill>
               </a14:hiddenFill>
             </a:ext>
             <a:ext uri="{91240B29-F687-4F45-9708-019B960494DF}">
-              <a14:hiddenLine xmlns="" xmlns:a14="http://schemas.microsoft.com/office/drawing/2010/main" w="9525">
+              <a14:hiddenLine xmlns:a14="http://schemas.microsoft.com/office/drawing/2010/main" xmlns="" w="9525">
                 <a:solidFill>
                   <a:schemeClr val="tx1"/>
                 </a:solidFill>
@@ -4988,14 +4979,14 @@
           <p:nvPr/>
         </p:nvPicPr>
         <p:blipFill rotWithShape="1">
-          <a:blip r:embed="rId3" cstate="print">
+          <a:blip r:embed="rId3" cstate="email">
             <a:extLst>
               <a:ext uri="{28A0092B-C50C-407E-A947-70E740481C1C}">
-                <a14:useLocalDpi xmlns="" xmlns:a14="http://schemas.microsoft.com/office/drawing/2010/main" val="0"/>
+                <a14:useLocalDpi xmlns:a14="http://schemas.microsoft.com/office/drawing/2010/main" xmlns="" val="0"/>
               </a:ext>
             </a:extLst>
           </a:blip>
-          <a:srcRect l="35813" t="16682" r="15785" b="12852"/>
+          <a:srcRect/>
           <a:stretch/>
         </p:blipFill>
         <p:spPr bwMode="auto">
@@ -5012,14 +5003,14 @@
           </a:ln>
           <a:extLst>
             <a:ext uri="{909E8E84-426E-40DD-AFC4-6F175D3DCCD1}">
-              <a14:hiddenFill xmlns="" xmlns:a14="http://schemas.microsoft.com/office/drawing/2010/main">
+              <a14:hiddenFill xmlns:a14="http://schemas.microsoft.com/office/drawing/2010/main" xmlns="">
                 <a:solidFill>
                   <a:schemeClr val="accent1"/>
                 </a:solidFill>
               </a14:hiddenFill>
             </a:ext>
             <a:ext uri="{91240B29-F687-4F45-9708-019B960494DF}">
-              <a14:hiddenLine xmlns="" xmlns:a14="http://schemas.microsoft.com/office/drawing/2010/main" w="9525">
+              <a14:hiddenLine xmlns:a14="http://schemas.microsoft.com/office/drawing/2010/main" xmlns="" w="9525">
                 <a:solidFill>
                   <a:schemeClr val="tx1"/>
                 </a:solidFill>
@@ -5100,7 +5091,7 @@
     </p:spTree>
     <p:extLst>
       <p:ext uri="{BB962C8B-B14F-4D97-AF65-F5344CB8AC3E}">
-        <p14:creationId xmlns="" xmlns:p14="http://schemas.microsoft.com/office/powerpoint/2010/main" val="2268528956"/>
+        <p14:creationId xmlns:p14="http://schemas.microsoft.com/office/powerpoint/2010/main" xmlns="" val="2268528956"/>
       </p:ext>
     </p:extLst>
   </p:cSld>
@@ -5212,7 +5203,7 @@
     </p:spTree>
     <p:extLst>
       <p:ext uri="{BB962C8B-B14F-4D97-AF65-F5344CB8AC3E}">
-        <p14:creationId xmlns="" xmlns:p14="http://schemas.microsoft.com/office/powerpoint/2010/main" val="3059969295"/>
+        <p14:creationId xmlns:p14="http://schemas.microsoft.com/office/powerpoint/2010/main" xmlns="" val="3059969295"/>
       </p:ext>
     </p:extLst>
   </p:cSld>
@@ -5477,7 +5468,7 @@
   <a:extraClrSchemeLst/>
   <a:extLst>
     <a:ext uri="{05A4C25C-085E-4340-85A3-A5531E510DB2}">
-      <thm15:themeFamily xmlns="" xmlns:thm15="http://schemas.microsoft.com/office/thememl/2012/main" name="Office Theme" id="{62F939B6-93AF-4DB8-9C6B-D6C7DFDC589F}" vid="{4A3C46E8-61CC-4603-A589-7422A47A8E4A}"/>
+      <thm15:themeFamily xmlns:thm15="http://schemas.microsoft.com/office/thememl/2012/main" xmlns="" name="Office Theme" id="{62F939B6-93AF-4DB8-9C6B-D6C7DFDC589F}" vid="{4A3C46E8-61CC-4603-A589-7422A47A8E4A}"/>
     </a:ext>
   </a:extLst>
 </a:theme>
@@ -5738,7 +5729,7 @@
   <a:extraClrSchemeLst/>
   <a:extLst>
     <a:ext uri="{05A4C25C-085E-4340-85A3-A5531E510DB2}">
-      <thm15:themeFamily xmlns="" xmlns:thm15="http://schemas.microsoft.com/office/thememl/2012/main" name="Office Theme" id="{62F939B6-93AF-4DB8-9C6B-D6C7DFDC589F}" vid="{4A3C46E8-61CC-4603-A589-7422A47A8E4A}"/>
+      <thm15:themeFamily xmlns:thm15="http://schemas.microsoft.com/office/thememl/2012/main" xmlns="" name="Office Theme" id="{62F939B6-93AF-4DB8-9C6B-D6C7DFDC589F}" vid="{4A3C46E8-61CC-4603-A589-7422A47A8E4A}"/>
     </a:ext>
   </a:extLst>
 </a:theme>
